--- a/doc/SiPMPaper/figures/CircuitDiagram.pptx
+++ b/doc/SiPMPaper/figures/CircuitDiagram.pptx
@@ -3103,16 +3103,15 @@
           </p:cNvPicPr>
           <p:nvPr/>
         </p:nvPicPr>
-        <p:blipFill>
+        <p:blipFill rotWithShape="1">
           <a:blip r:embed="rId2"/>
-          <a:stretch>
-            <a:fillRect/>
-          </a:stretch>
+          <a:srcRect r="555"/>
+          <a:stretch/>
         </p:blipFill>
         <p:spPr>
           <a:xfrm>
-            <a:off x="-16930" y="169330"/>
-            <a:ext cx="9144000" cy="6449915"/>
+            <a:off x="50802" y="169330"/>
+            <a:ext cx="9093198" cy="6449915"/>
           </a:xfrm>
           <a:prstGeom prst="rect">
             <a:avLst/>

--- a/doc/SiPMPaper/figures/CircuitDiagram.pptx
+++ b/doc/SiPMPaper/figures/CircuitDiagram.pptx
@@ -288,7 +288,7 @@
           <a:p>
             <a:fld id="{CA48FEE0-2947-BC4E-A546-2B0851D4CF83}" type="datetimeFigureOut">
               <a:rPr lang="en-US" smtClean="0"/>
-              <a:t>8/6/17</a:t>
+              <a:t>10/17/17</a:t>
             </a:fld>
             <a:endParaRPr lang="en-US"/>
           </a:p>
@@ -458,7 +458,7 @@
           <a:p>
             <a:fld id="{CA48FEE0-2947-BC4E-A546-2B0851D4CF83}" type="datetimeFigureOut">
               <a:rPr lang="en-US" smtClean="0"/>
-              <a:t>8/6/17</a:t>
+              <a:t>10/17/17</a:t>
             </a:fld>
             <a:endParaRPr lang="en-US"/>
           </a:p>
@@ -638,7 +638,7 @@
           <a:p>
             <a:fld id="{CA48FEE0-2947-BC4E-A546-2B0851D4CF83}" type="datetimeFigureOut">
               <a:rPr lang="en-US" smtClean="0"/>
-              <a:t>8/6/17</a:t>
+              <a:t>10/17/17</a:t>
             </a:fld>
             <a:endParaRPr lang="en-US"/>
           </a:p>
@@ -808,7 +808,7 @@
           <a:p>
             <a:fld id="{CA48FEE0-2947-BC4E-A546-2B0851D4CF83}" type="datetimeFigureOut">
               <a:rPr lang="en-US" smtClean="0"/>
-              <a:t>8/6/17</a:t>
+              <a:t>10/17/17</a:t>
             </a:fld>
             <a:endParaRPr lang="en-US"/>
           </a:p>
@@ -1054,7 +1054,7 @@
           <a:p>
             <a:fld id="{CA48FEE0-2947-BC4E-A546-2B0851D4CF83}" type="datetimeFigureOut">
               <a:rPr lang="en-US" smtClean="0"/>
-              <a:t>8/6/17</a:t>
+              <a:t>10/17/17</a:t>
             </a:fld>
             <a:endParaRPr lang="en-US"/>
           </a:p>
@@ -1342,7 +1342,7 @@
           <a:p>
             <a:fld id="{CA48FEE0-2947-BC4E-A546-2B0851D4CF83}" type="datetimeFigureOut">
               <a:rPr lang="en-US" smtClean="0"/>
-              <a:t>8/6/17</a:t>
+              <a:t>10/17/17</a:t>
             </a:fld>
             <a:endParaRPr lang="en-US"/>
           </a:p>
@@ -1764,7 +1764,7 @@
           <a:p>
             <a:fld id="{CA48FEE0-2947-BC4E-A546-2B0851D4CF83}" type="datetimeFigureOut">
               <a:rPr lang="en-US" smtClean="0"/>
-              <a:t>8/6/17</a:t>
+              <a:t>10/17/17</a:t>
             </a:fld>
             <a:endParaRPr lang="en-US"/>
           </a:p>
@@ -1882,7 +1882,7 @@
           <a:p>
             <a:fld id="{CA48FEE0-2947-BC4E-A546-2B0851D4CF83}" type="datetimeFigureOut">
               <a:rPr lang="en-US" smtClean="0"/>
-              <a:t>8/6/17</a:t>
+              <a:t>10/17/17</a:t>
             </a:fld>
             <a:endParaRPr lang="en-US"/>
           </a:p>
@@ -1977,7 +1977,7 @@
           <a:p>
             <a:fld id="{CA48FEE0-2947-BC4E-A546-2B0851D4CF83}" type="datetimeFigureOut">
               <a:rPr lang="en-US" smtClean="0"/>
-              <a:t>8/6/17</a:t>
+              <a:t>10/17/17</a:t>
             </a:fld>
             <a:endParaRPr lang="en-US"/>
           </a:p>
@@ -2254,7 +2254,7 @@
           <a:p>
             <a:fld id="{CA48FEE0-2947-BC4E-A546-2B0851D4CF83}" type="datetimeFigureOut">
               <a:rPr lang="en-US" smtClean="0"/>
-              <a:t>8/6/17</a:t>
+              <a:t>10/17/17</a:t>
             </a:fld>
             <a:endParaRPr lang="en-US"/>
           </a:p>
@@ -2507,7 +2507,7 @@
           <a:p>
             <a:fld id="{CA48FEE0-2947-BC4E-A546-2B0851D4CF83}" type="datetimeFigureOut">
               <a:rPr lang="en-US" smtClean="0"/>
-              <a:t>8/6/17</a:t>
+              <a:t>10/17/17</a:t>
             </a:fld>
             <a:endParaRPr lang="en-US"/>
           </a:p>
@@ -2720,7 +2720,7 @@
           <a:p>
             <a:fld id="{CA48FEE0-2947-BC4E-A546-2B0851D4CF83}" type="datetimeFigureOut">
               <a:rPr lang="en-US" smtClean="0"/>
-              <a:t>8/6/17</a:t>
+              <a:t>10/17/17</a:t>
             </a:fld>
             <a:endParaRPr lang="en-US"/>
           </a:p>
@@ -3118,6 +3118,177 @@
           </a:prstGeom>
         </p:spPr>
       </p:pic>
+      <p:sp>
+        <p:nvSpPr>
+          <p:cNvPr id="2" name="TextBox 1"/>
+          <p:cNvSpPr txBox="1"/>
+          <p:nvPr/>
+        </p:nvSpPr>
+        <p:spPr>
+          <a:xfrm>
+            <a:off x="7005399" y="4535945"/>
+            <a:ext cx="2138601" cy="830997"/>
+          </a:xfrm>
+          <a:prstGeom prst="rect">
+            <a:avLst/>
+          </a:prstGeom>
+          <a:solidFill>
+            <a:schemeClr val="bg1"/>
+          </a:solidFill>
+        </p:spPr>
+        <p:txBody>
+          <a:bodyPr wrap="square" rtlCol="0">
+            <a:spAutoFit/>
+          </a:bodyPr>
+          <a:lstStyle/>
+          <a:p>
+            <a:r>
+              <a:rPr lang="en-US" sz="2400" dirty="0" smtClean="0">
+                <a:latin typeface="Arial"/>
+                <a:cs typeface="Arial"/>
+              </a:rPr>
+              <a:t>high-pass filter</a:t>
+            </a:r>
+            <a:endParaRPr lang="en-US" sz="2400" dirty="0">
+              <a:latin typeface="Arial"/>
+              <a:cs typeface="Arial"/>
+            </a:endParaRPr>
+          </a:p>
+        </p:txBody>
+      </p:sp>
+      <p:sp>
+        <p:nvSpPr>
+          <p:cNvPr id="6" name="TextBox 5"/>
+          <p:cNvSpPr txBox="1"/>
+          <p:nvPr/>
+        </p:nvSpPr>
+        <p:spPr>
+          <a:xfrm>
+            <a:off x="260127" y="4080670"/>
+            <a:ext cx="2138601" cy="461665"/>
+          </a:xfrm>
+          <a:prstGeom prst="rect">
+            <a:avLst/>
+          </a:prstGeom>
+          <a:solidFill>
+            <a:schemeClr val="bg1"/>
+          </a:solidFill>
+        </p:spPr>
+        <p:txBody>
+          <a:bodyPr wrap="square" rtlCol="0">
+            <a:spAutoFit/>
+          </a:bodyPr>
+          <a:lstStyle/>
+          <a:p>
+            <a:r>
+              <a:rPr lang="en-US" sz="2400" dirty="0">
+                <a:latin typeface="Arial"/>
+                <a:cs typeface="Arial"/>
+              </a:rPr>
+              <a:t>l</a:t>
+            </a:r>
+            <a:r>
+              <a:rPr lang="en-US" sz="2400" dirty="0" smtClean="0">
+                <a:latin typeface="Arial"/>
+                <a:cs typeface="Arial"/>
+              </a:rPr>
+              <a:t>ow-pass filter</a:t>
+            </a:r>
+            <a:endParaRPr lang="en-US" sz="2400" dirty="0">
+              <a:latin typeface="Arial"/>
+              <a:cs typeface="Arial"/>
+            </a:endParaRPr>
+          </a:p>
+        </p:txBody>
+      </p:sp>
+      <p:sp>
+        <p:nvSpPr>
+          <p:cNvPr id="13" name="Oval 12"/>
+          <p:cNvSpPr/>
+          <p:nvPr/>
+        </p:nvSpPr>
+        <p:spPr>
+          <a:xfrm>
+            <a:off x="2260708" y="1130497"/>
+            <a:ext cx="1088488" cy="5488748"/>
+          </a:xfrm>
+          <a:prstGeom prst="ellipse">
+            <a:avLst/>
+          </a:prstGeom>
+          <a:noFill/>
+          <a:ln w="38100">
+            <a:solidFill>
+              <a:schemeClr val="tx1"/>
+            </a:solidFill>
+          </a:ln>
+        </p:spPr>
+        <p:style>
+          <a:lnRef idx="1">
+            <a:schemeClr val="accent1"/>
+          </a:lnRef>
+          <a:fillRef idx="3">
+            <a:schemeClr val="accent1"/>
+          </a:fillRef>
+          <a:effectRef idx="2">
+            <a:schemeClr val="accent1"/>
+          </a:effectRef>
+          <a:fontRef idx="minor">
+            <a:schemeClr val="lt1"/>
+          </a:fontRef>
+        </p:style>
+        <p:txBody>
+          <a:bodyPr rtlCol="0" anchor="ctr"/>
+          <a:lstStyle/>
+          <a:p>
+            <a:pPr algn="ctr"/>
+            <a:endParaRPr lang="en-US"/>
+          </a:p>
+        </p:txBody>
+      </p:sp>
+      <p:sp>
+        <p:nvSpPr>
+          <p:cNvPr id="14" name="Oval 13"/>
+          <p:cNvSpPr/>
+          <p:nvPr/>
+        </p:nvSpPr>
+        <p:spPr>
+          <a:xfrm>
+            <a:off x="4619097" y="2958832"/>
+            <a:ext cx="2274663" cy="3558972"/>
+          </a:xfrm>
+          <a:prstGeom prst="ellipse">
+            <a:avLst/>
+          </a:prstGeom>
+          <a:noFill/>
+          <a:ln w="38100">
+            <a:solidFill>
+              <a:schemeClr val="tx1"/>
+            </a:solidFill>
+          </a:ln>
+        </p:spPr>
+        <p:style>
+          <a:lnRef idx="1">
+            <a:schemeClr val="accent1"/>
+          </a:lnRef>
+          <a:fillRef idx="3">
+            <a:schemeClr val="accent1"/>
+          </a:fillRef>
+          <a:effectRef idx="2">
+            <a:schemeClr val="accent1"/>
+          </a:effectRef>
+          <a:fontRef idx="minor">
+            <a:schemeClr val="lt1"/>
+          </a:fontRef>
+        </p:style>
+        <p:txBody>
+          <a:bodyPr rtlCol="0" anchor="ctr"/>
+          <a:lstStyle/>
+          <a:p>
+            <a:pPr algn="ctr"/>
+            <a:endParaRPr lang="en-US"/>
+          </a:p>
+        </p:txBody>
+      </p:sp>
     </p:spTree>
     <p:extLst>
       <p:ext uri="{BB962C8B-B14F-4D97-AF65-F5344CB8AC3E}">
